--- a/public/user/output/U201812791-刘棫欣-1.《喜马拉雅FM免费增值策略对用户留存的影响的实证研究》/output_9_12.pptx
+++ b/public/user/output/U201812791-刘棫欣-1.《喜马拉雅FM免费增值策略对用户留存的影响的实证研究》/output_9_12.pptx
@@ -3588,6 +3588,78 @@
           </a:p>
         </p:txBody>
       </p:sp>
+      <p:sp>
+        <p:nvSpPr>
+          <p:cNvPr id="5" name="TextBox 4"/>
+          <p:cNvSpPr txBox="1"/>
+          <p:nvPr/>
+        </p:nvSpPr>
+        <p:spPr>
+          <a:xfrm>
+            <a:off x="1371600" y="640080"/>
+            <a:ext cx="9144000" cy="1371600"/>
+          </a:xfrm>
+          <a:prstGeom prst="rect">
+            <a:avLst/>
+          </a:prstGeom>
+          <a:noFill/>
+        </p:spPr>
+        <p:txBody>
+          <a:bodyPr wrap="square">
+            <a:spAutoFit/>
+          </a:bodyPr>
+          <a:lstStyle/>
+          <a:p>
+            <a:pPr>
+              <a:defRPr b="1" sz="2200">
+                <a:solidFill>
+                  <a:srgbClr val="000000"/>
+                </a:solidFill>
+                <a:latin typeface="微软雅黑"/>
+              </a:defRPr>
+            </a:pPr>
+            <a:r>
+              <a:t>5. 分析方法</a:t>
+            </a:r>
+          </a:p>
+        </p:txBody>
+      </p:sp>
+      <p:sp>
+        <p:nvSpPr>
+          <p:cNvPr id="6" name="TextBox 5"/>
+          <p:cNvSpPr txBox="1"/>
+          <p:nvPr/>
+        </p:nvSpPr>
+        <p:spPr>
+          <a:xfrm>
+            <a:off x="1371600" y="2011680"/>
+            <a:ext cx="9144000" cy="1371600"/>
+          </a:xfrm>
+          <a:prstGeom prst="rect">
+            <a:avLst/>
+          </a:prstGeom>
+          <a:noFill/>
+        </p:spPr>
+        <p:txBody>
+          <a:bodyPr wrap="square">
+            <a:spAutoFit/>
+          </a:bodyPr>
+          <a:lstStyle/>
+          <a:p>
+            <a:pPr>
+              <a:defRPr b="0" sz="2000">
+                <a:solidFill>
+                  <a:srgbClr val="000000"/>
+                </a:solidFill>
+                <a:latin typeface="微软雅黑"/>
+              </a:defRPr>
+            </a:pPr>
+            <a:r>
+              <a:t>连续变量用皮尔逊相关分析，分类与连续变量用斯皮尔曼分析，依相关性判断模型变量选择，不符则修正，相关结果在附录三，表4 - 3为控制变量后的偏相关分析结果，还有表5 - 1、5 - 2的逐层回归结果。</a:t>
+            </a:r>
+          </a:p>
+        </p:txBody>
+      </p:sp>
     </p:spTree>
   </p:cSld>
   <p:clrMapOvr>
